--- a/folien/week4.pptx
+++ b/folien/week4.pptx
@@ -3802,6 +3802,21 @@
               <a:t>Bedingungen Kräfte entfalten zu können</a:t>
             </a:r>
           </a:p>
+          <a:p>
+            <a:r>
+              <a:rPr lang="de-DE" sz="1600" dirty="0"/>
+              <a:t>fragendes Denken</a:t>
+            </a:r>
+          </a:p>
+          <a:p>
+            <a:r>
+              <a:rPr lang="de-DE" sz="1600" dirty="0"/>
+              <a:t>Selbstregierung</a:t>
+            </a:r>
+          </a:p>
+          <a:p>
+            <a:endParaRPr lang="de-DE" sz="1600" dirty="0"/>
+          </a:p>
         </p:txBody>
       </p:sp>
       <p:sp>
@@ -3824,18 +3839,6 @@
         <p:txBody>
           <a:bodyPr/>
           <a:lstStyle/>
-          <a:p>
-            <a:r>
-              <a:rPr lang="de-DE" sz="1600" dirty="0"/>
-              <a:t>fragendes Denken</a:t>
-            </a:r>
-          </a:p>
-          <a:p>
-            <a:r>
-              <a:rPr lang="de-DE" sz="1600" dirty="0"/>
-              <a:t>Selbstregierung</a:t>
-            </a:r>
-          </a:p>
           <a:p>
             <a:r>
               <a:rPr lang="de-DE" sz="1600" dirty="0"/>
@@ -4103,7 +4106,7 @@
               <a:t>: </a:t>
             </a:r>
             <a:r>
-              <a:rPr lang="en-US" sz="2800">
+              <a:rPr lang="en-US" sz="2800" dirty="0" err="1">
                 <a:effectLst/>
                 <a:latin typeface="Arial" panose="020B0604020202020204" pitchFamily="34" charset="0"/>
                 <a:cs typeface="Arial" panose="020B0604020202020204" pitchFamily="34" charset="0"/>
